--- a/Gentoo_linux.pptx
+++ b/Gentoo_linux.pptx
@@ -5,10 +5,10 @@
     <p:sldMasterId id="2147483648" r:id="rId4"/>
   </p:sldMasterIdLst>
   <p:notesMasterIdLst>
-    <p:notesMasterId r:id="rId14"/>
+    <p:notesMasterId r:id="rId13"/>
   </p:notesMasterIdLst>
   <p:handoutMasterIdLst>
-    <p:handoutMasterId r:id="rId15"/>
+    <p:handoutMasterId r:id="rId14"/>
   </p:handoutMasterIdLst>
   <p:sldIdLst>
     <p:sldId id="277" r:id="rId5"/>
@@ -17,9 +17,8 @@
     <p:sldId id="284" r:id="rId8"/>
     <p:sldId id="285" r:id="rId9"/>
     <p:sldId id="286" r:id="rId10"/>
-    <p:sldId id="279" r:id="rId11"/>
-    <p:sldId id="280" r:id="rId12"/>
-    <p:sldId id="281" r:id="rId13"/>
+    <p:sldId id="280" r:id="rId11"/>
+    <p:sldId id="281" r:id="rId12"/>
   </p:sldIdLst>
   <p:sldSz cx="12192000" cy="6858000"/>
   <p:notesSz cx="6858000" cy="9144000"/>
@@ -213,7 +212,7 @@
             <a:pPr rtl="0"/>
             <a:fld id="{0101B00A-32B0-4CAF-9F89-3C63AD2E553A}" type="datetime1">
               <a:rPr lang="hu-HU" smtClean="0"/>
-              <a:t>2022.09.12.</a:t>
+              <a:t>2022.09.14.</a:t>
             </a:fld>
             <a:endParaRPr lang="hu-HU" dirty="0"/>
           </a:p>
@@ -382,7 +381,7 @@
             <a:fld id="{A8EE0D3A-CE98-4751-B765-2A7879568A03}" type="datetime1">
               <a:rPr lang="hu-HU" smtClean="0"/>
               <a:pPr/>
-              <a:t>2022.09.12.</a:t>
+              <a:t>2022.09.14.</a:t>
             </a:fld>
             <a:endParaRPr lang="hu-HU" dirty="0"/>
           </a:p>
@@ -970,7 +969,7 @@
             <a:pPr rtl="0"/>
             <a:fld id="{581986E7-02C8-4727-B176-AE537A0A0F8C}" type="datetime1">
               <a:rPr lang="hu-HU" noProof="0" smtClean="0"/>
-              <a:t>2022.09.12.</a:t>
+              <a:t>2022.09.14.</a:t>
             </a:fld>
             <a:endParaRPr lang="hu-HU" noProof="0" dirty="0"/>
           </a:p>
@@ -1305,7 +1304,7 @@
             <a:pPr rtl="0"/>
             <a:fld id="{B969DD75-7C66-47CF-879D-AB155124DDEF}" type="datetime1">
               <a:rPr lang="hu-HU" noProof="0" smtClean="0"/>
-              <a:t>2022.09.12.</a:t>
+              <a:t>2022.09.14.</a:t>
             </a:fld>
             <a:endParaRPr lang="hu-HU" noProof="0" dirty="0"/>
           </a:p>
@@ -1583,7 +1582,7 @@
             <a:pPr rtl="0"/>
             <a:fld id="{1932FAEB-06E7-47D2-A643-A32DC6BC05CC}" type="datetime1">
               <a:rPr lang="hu-HU" noProof="0" smtClean="0"/>
-              <a:t>2022.09.12.</a:t>
+              <a:t>2022.09.14.</a:t>
             </a:fld>
             <a:endParaRPr lang="hu-HU" noProof="0" dirty="0"/>
           </a:p>
@@ -2151,7 +2150,7 @@
             <a:pPr rtl="0"/>
             <a:fld id="{7F672C8F-A1DC-4B82-B0F7-E5E96FFAEC72}" type="datetime1">
               <a:rPr lang="hu-HU" noProof="0" smtClean="0"/>
-              <a:t>2022.09.12.</a:t>
+              <a:t>2022.09.14.</a:t>
             </a:fld>
             <a:endParaRPr lang="hu-HU" noProof="0" dirty="0"/>
           </a:p>
@@ -2429,7 +2428,7 @@
             <a:pPr rtl="0"/>
             <a:fld id="{A7877DCF-D950-4A91-B113-1D2BA72650AC}" type="datetime1">
               <a:rPr lang="hu-HU" noProof="0" smtClean="0"/>
-              <a:t>2022.09.12.</a:t>
+              <a:t>2022.09.14.</a:t>
             </a:fld>
             <a:endParaRPr lang="hu-HU" noProof="0" dirty="0"/>
           </a:p>
@@ -2991,7 +2990,7 @@
             <a:pPr rtl="0"/>
             <a:fld id="{32B7E944-FF8D-4B73-BFC6-2B2DC30A9019}" type="datetime1">
               <a:rPr lang="hu-HU" noProof="0" smtClean="0"/>
-              <a:t>2022.09.12.</a:t>
+              <a:t>2022.09.14.</a:t>
             </a:fld>
             <a:endParaRPr lang="hu-HU" noProof="0" dirty="0"/>
           </a:p>
@@ -3317,7 +3316,7 @@
             <a:pPr rtl="0"/>
             <a:fld id="{E3D28717-F4D4-4E78-B1B4-9F99DCF42829}" type="datetime1">
               <a:rPr lang="hu-HU" noProof="0" smtClean="0"/>
-              <a:t>2022.09.12.</a:t>
+              <a:t>2022.09.14.</a:t>
             </a:fld>
             <a:endParaRPr lang="hu-HU" noProof="0" dirty="0"/>
           </a:p>
@@ -3493,7 +3492,7 @@
             <a:pPr rtl="0"/>
             <a:fld id="{811FFB2D-D4EE-4A4D-AF15-5501EFCAAB69}" type="datetime1">
               <a:rPr lang="hu-HU" noProof="0" smtClean="0"/>
-              <a:t>2022.09.12.</a:t>
+              <a:t>2022.09.14.</a:t>
             </a:fld>
             <a:endParaRPr lang="hu-HU" noProof="0" dirty="0"/>
           </a:p>
@@ -3732,7 +3731,7 @@
             <a:pPr rtl="0"/>
             <a:fld id="{10BCE087-A846-484B-897B-11F7CC976F54}" type="datetime1">
               <a:rPr lang="hu-HU" noProof="0" smtClean="0"/>
-              <a:t>2022.09.12.</a:t>
+              <a:t>2022.09.14.</a:t>
             </a:fld>
             <a:endParaRPr lang="hu-HU" noProof="0" dirty="0"/>
           </a:p>
@@ -3932,7 +3931,7 @@
             <a:pPr rtl="0"/>
             <a:fld id="{D3E16357-68F8-4C89-B164-212D51B5A555}" type="datetime1">
               <a:rPr lang="hu-HU" noProof="0" smtClean="0"/>
-              <a:t>2022.09.12.</a:t>
+              <a:t>2022.09.14.</a:t>
             </a:fld>
             <a:endParaRPr lang="hu-HU" noProof="0" dirty="0"/>
           </a:p>
@@ -4208,7 +4207,7 @@
             <a:pPr rtl="0"/>
             <a:fld id="{7907BB58-B913-4C78-9AFA-B1393B0D4E62}" type="datetime1">
               <a:rPr lang="hu-HU" noProof="0" smtClean="0"/>
-              <a:t>2022.09.12.</a:t>
+              <a:t>2022.09.14.</a:t>
             </a:fld>
             <a:endParaRPr lang="hu-HU" noProof="0" dirty="0"/>
           </a:p>
@@ -4474,7 +4473,7 @@
             <a:pPr rtl="0"/>
             <a:fld id="{4CBE41FA-5577-4815-90CE-C942195B1D0E}" type="datetime1">
               <a:rPr lang="hu-HU" noProof="0" smtClean="0"/>
-              <a:t>2022.09.12.</a:t>
+              <a:t>2022.09.14.</a:t>
             </a:fld>
             <a:endParaRPr lang="hu-HU" noProof="0" dirty="0"/>
           </a:p>
@@ -4848,7 +4847,7 @@
             <a:pPr rtl="0"/>
             <a:fld id="{47730967-BB93-416A-ADFF-46D23C7F99DD}" type="datetime1">
               <a:rPr lang="hu-HU" noProof="0" smtClean="0"/>
-              <a:t>2022.09.12.</a:t>
+              <a:t>2022.09.14.</a:t>
             </a:fld>
             <a:endParaRPr lang="hu-HU" noProof="0" dirty="0"/>
           </a:p>
@@ -4996,7 +4995,7 @@
             <a:pPr rtl="0"/>
             <a:fld id="{1A271211-68CE-4DC5-95BF-8CCC584CC729}" type="datetime1">
               <a:rPr lang="hu-HU" noProof="0" smtClean="0"/>
-              <a:t>2022.09.12.</a:t>
+              <a:t>2022.09.14.</a:t>
             </a:fld>
             <a:endParaRPr lang="hu-HU" noProof="0" dirty="0"/>
           </a:p>
@@ -5120,7 +5119,7 @@
             <a:pPr rtl="0"/>
             <a:fld id="{DBC8551B-72FC-465A-B4AA-C8D01144101E}" type="datetime1">
               <a:rPr lang="hu-HU" noProof="0" smtClean="0"/>
-              <a:t>2022.09.12.</a:t>
+              <a:t>2022.09.14.</a:t>
             </a:fld>
             <a:endParaRPr lang="hu-HU" noProof="0" dirty="0"/>
           </a:p>
@@ -5405,7 +5404,7 @@
             <a:pPr rtl="0"/>
             <a:fld id="{31937186-D509-459F-BF98-A410C4CC85E0}" type="datetime1">
               <a:rPr lang="hu-HU" noProof="0" smtClean="0"/>
-              <a:t>2022.09.12.</a:t>
+              <a:t>2022.09.14.</a:t>
             </a:fld>
             <a:endParaRPr lang="hu-HU" noProof="0" dirty="0"/>
           </a:p>
@@ -5730,7 +5729,7 @@
             <a:pPr rtl="0"/>
             <a:fld id="{822C8249-907F-4F77-8CF5-B0D10B0467C8}" type="datetime1">
               <a:rPr lang="hu-HU" noProof="0" smtClean="0"/>
-              <a:t>2022.09.12.</a:t>
+              <a:t>2022.09.14.</a:t>
             </a:fld>
             <a:endParaRPr lang="hu-HU" noProof="0" dirty="0"/>
           </a:p>
@@ -5942,7 +5941,7 @@
             <a:pPr rtl="0"/>
             <a:fld id="{4AD237DC-75F9-4ACB-9DCB-A8FC80DFB04C}" type="datetime1">
               <a:rPr lang="hu-HU" noProof="0" smtClean="0"/>
-              <a:t>2022.09.12.</a:t>
+              <a:t>2022.09.14.</a:t>
             </a:fld>
             <a:endParaRPr lang="hu-HU" noProof="0" dirty="0"/>
           </a:p>
@@ -6467,7 +6466,7 @@
                 <a16:creationId xmlns:a16="http://schemas.microsoft.com/office/drawing/2014/main" id="{3D1E5586-8BB5-40F6-96C3-2E87DD7CE5CD}"/>
               </a:ext>
               <a:ext uri="{C183D7F6-B498-43B3-948B-1728B52AA6E4}">
-                <adec:decorative xmlns:adec="http://schemas.microsoft.com/office/drawing/2017/decorative" xmlns="" val="1"/>
+                <adec:decorative xmlns="" xmlns:adec="http://schemas.microsoft.com/office/drawing/2017/decorative" val="1"/>
               </a:ext>
             </a:extLst>
           </p:cNvPr>
@@ -6572,7 +6571,7 @@
                 <a16:creationId xmlns:a16="http://schemas.microsoft.com/office/drawing/2014/main" id="{8A832D40-B9E2-4CE7-9E0A-B35591EA2035}"/>
               </a:ext>
               <a:ext uri="{C183D7F6-B498-43B3-948B-1728B52AA6E4}">
-                <adec:decorative xmlns:adec="http://schemas.microsoft.com/office/drawing/2017/decorative" xmlns="" val="1"/>
+                <adec:decorative xmlns="" xmlns:adec="http://schemas.microsoft.com/office/drawing/2017/decorative" val="1"/>
               </a:ext>
             </a:extLst>
           </p:cNvPr>
@@ -6659,6 +6658,13 @@
   <p:clrMapOvr>
     <a:overrideClrMapping bg1="dk1" tx1="lt1" bg2="dk2" tx2="lt2" accent1="accent1" accent2="accent2" accent3="accent3" accent4="accent4" accent5="accent5" accent6="accent6" hlink="hlink" folHlink="folHlink"/>
   </p:clrMapOvr>
+  <p:timing>
+    <p:tnLst>
+      <p:par>
+        <p:cTn id="1" dur="indefinite" restart="never" nodeType="tmRoot"/>
+      </p:par>
+    </p:tnLst>
+  </p:timing>
 </p:sld>
 </file>
 
@@ -6717,7 +6723,67 @@
           <a:bodyPr/>
           <a:lstStyle/>
           <a:p>
-            <a:endParaRPr lang="hu-HU"/>
+            <a:r>
+              <a:rPr lang="hu-HU" dirty="0" smtClean="0"/>
+              <a:t>Csomagkezelője a </a:t>
+            </a:r>
+            <a:r>
+              <a:rPr lang="hu-HU" dirty="0" err="1" smtClean="0"/>
+              <a:t>Portage</a:t>
+            </a:r>
+            <a:endParaRPr lang="hu-HU" dirty="0" smtClean="0"/>
+          </a:p>
+          <a:p>
+            <a:r>
+              <a:rPr lang="hu-HU" dirty="0" smtClean="0"/>
+              <a:t>Verzió nélküli azaz </a:t>
+            </a:r>
+            <a:r>
+              <a:rPr lang="hu-HU" dirty="0" err="1" smtClean="0"/>
+              <a:t>rolling</a:t>
+            </a:r>
+            <a:r>
+              <a:rPr lang="hu-HU" dirty="0" smtClean="0"/>
+              <a:t> </a:t>
+            </a:r>
+            <a:r>
+              <a:rPr lang="hu-HU" dirty="0" err="1" smtClean="0"/>
+              <a:t>release</a:t>
+            </a:r>
+            <a:endParaRPr lang="hu-HU" dirty="0" smtClean="0"/>
+          </a:p>
+          <a:p>
+            <a:r>
+              <a:rPr lang="hu-HU" dirty="0" smtClean="0"/>
+              <a:t>Óriás </a:t>
+            </a:r>
+            <a:r>
+              <a:rPr lang="hu-HU" dirty="0" err="1" smtClean="0"/>
+              <a:t>wiki-vel</a:t>
+            </a:r>
+            <a:r>
+              <a:rPr lang="hu-HU" dirty="0" smtClean="0"/>
+              <a:t> rendelkezik, ami naprakész és érthető</a:t>
+            </a:r>
+          </a:p>
+          <a:p>
+            <a:r>
+              <a:rPr lang="hu-HU" dirty="0" smtClean="0"/>
+              <a:t>Könnyen saját igényre szabható rendszer</a:t>
+            </a:r>
+          </a:p>
+          <a:p>
+            <a:r>
+              <a:rPr lang="hu-HU" dirty="0" err="1" smtClean="0"/>
+              <a:t>ChromeOS</a:t>
+            </a:r>
+            <a:r>
+              <a:rPr lang="hu-HU" dirty="0" smtClean="0"/>
+              <a:t> is ezen alapul</a:t>
+            </a:r>
+          </a:p>
+          <a:p>
+            <a:endParaRPr lang="hu-HU" dirty="0"/>
           </a:p>
         </p:txBody>
       </p:sp>
@@ -6731,6 +6797,13 @@
   <p:clrMapOvr>
     <a:masterClrMapping/>
   </p:clrMapOvr>
+  <p:timing>
+    <p:tnLst>
+      <p:par>
+        <p:cTn id="1" dur="indefinite" restart="never" nodeType="tmRoot"/>
+      </p:par>
+    </p:tnLst>
+  </p:timing>
 </p:sld>
 </file>
 
@@ -6784,15 +6857,152 @@
             <p:ph idx="1"/>
           </p:nvPr>
         </p:nvSpPr>
-        <p:spPr/>
+        <p:spPr>
+          <a:xfrm>
+            <a:off x="685801" y="2142067"/>
+            <a:ext cx="4744843" cy="3649133"/>
+          </a:xfrm>
+        </p:spPr>
         <p:txBody>
           <a:bodyPr/>
           <a:lstStyle/>
           <a:p>
-            <a:endParaRPr lang="hu-HU"/>
-          </a:p>
-        </p:txBody>
-      </p:sp>
+            <a:r>
+              <a:rPr lang="hu-HU" dirty="0" err="1" smtClean="0"/>
+              <a:t>Stage</a:t>
+            </a:r>
+            <a:r>
+              <a:rPr lang="hu-HU" dirty="0" smtClean="0"/>
+              <a:t> 1: Külön rendszerről vannak építve</a:t>
+            </a:r>
+          </a:p>
+          <a:p>
+            <a:r>
+              <a:rPr lang="hu-HU" dirty="0" err="1" smtClean="0"/>
+              <a:t>Stage</a:t>
+            </a:r>
+            <a:r>
+              <a:rPr lang="hu-HU" dirty="0" smtClean="0"/>
+              <a:t> 2: Ugyan azok a csomagok, csak egy </a:t>
+            </a:r>
+            <a:r>
+              <a:rPr lang="hu-HU" dirty="0" err="1" smtClean="0"/>
+              <a:t>stage</a:t>
+            </a:r>
+            <a:r>
+              <a:rPr lang="hu-HU" dirty="0" smtClean="0"/>
+              <a:t> 1 rendszerről vannak fordítva</a:t>
+            </a:r>
+          </a:p>
+          <a:p>
+            <a:r>
+              <a:rPr lang="hu-HU" dirty="0" err="1" smtClean="0"/>
+              <a:t>Stage</a:t>
+            </a:r>
+            <a:r>
+              <a:rPr lang="hu-HU" dirty="0" smtClean="0"/>
+              <a:t> 3: Minimális, de használható rendszer</a:t>
+            </a:r>
+          </a:p>
+          <a:p>
+            <a:r>
+              <a:rPr lang="hu-HU" dirty="0" smtClean="0"/>
+              <a:t>2005 október óta csak a </a:t>
+            </a:r>
+            <a:r>
+              <a:rPr lang="hu-HU" dirty="0" err="1" smtClean="0"/>
+              <a:t>stage</a:t>
+            </a:r>
+            <a:r>
+              <a:rPr lang="hu-HU" dirty="0" smtClean="0"/>
+              <a:t> 3-as telepítések  hivatalosan támogatottak</a:t>
+            </a:r>
+          </a:p>
+          <a:p>
+            <a:r>
+              <a:rPr lang="hu-HU" dirty="0" smtClean="0"/>
+              <a:t>Hetente új </a:t>
+            </a:r>
+            <a:r>
+              <a:rPr lang="hu-HU" dirty="0" err="1" smtClean="0"/>
+              <a:t>Stage</a:t>
+            </a:r>
+            <a:r>
+              <a:rPr lang="hu-HU" dirty="0" smtClean="0"/>
+              <a:t> 3 </a:t>
+            </a:r>
+            <a:r>
+              <a:rPr lang="hu-HU" dirty="0" err="1" smtClean="0"/>
+              <a:t>iso</a:t>
+            </a:r>
+            <a:r>
+              <a:rPr lang="hu-HU" dirty="0" smtClean="0"/>
+              <a:t> állomány a weboldalon</a:t>
+            </a:r>
+            <a:endParaRPr lang="hu-HU" dirty="0" smtClean="0"/>
+          </a:p>
+          <a:p>
+            <a:pPr marL="0" indent="0">
+              <a:buNone/>
+            </a:pPr>
+            <a:endParaRPr lang="hu-HU" dirty="0"/>
+          </a:p>
+        </p:txBody>
+      </p:sp>
+      <p:pic>
+        <p:nvPicPr>
+          <p:cNvPr id="4" name="Kép 3"/>
+          <p:cNvPicPr>
+            <a:picLocks noChangeAspect="1"/>
+          </p:cNvPicPr>
+          <p:nvPr/>
+        </p:nvPicPr>
+        <p:blipFill>
+          <a:blip r:embed="rId2"/>
+          <a:stretch>
+            <a:fillRect/>
+          </a:stretch>
+        </p:blipFill>
+        <p:spPr>
+          <a:xfrm>
+            <a:off x="5530485" y="1166558"/>
+            <a:ext cx="6479379" cy="4624642"/>
+          </a:xfrm>
+          <a:prstGeom prst="rect">
+            <a:avLst/>
+          </a:prstGeom>
+        </p:spPr>
+      </p:pic>
+      <p:pic>
+        <p:nvPicPr>
+          <p:cNvPr id="5" name="Kép 4"/>
+          <p:cNvPicPr>
+            <a:picLocks noChangeAspect="1"/>
+          </p:cNvPicPr>
+          <p:nvPr/>
+        </p:nvPicPr>
+        <p:blipFill>
+          <a:blip r:embed="rId3">
+            <a:extLst>
+              <a:ext uri="{28A0092B-C50C-407E-A947-70E740481C1C}">
+                <a14:useLocalDpi xmlns:a14="http://schemas.microsoft.com/office/drawing/2010/main" val="0"/>
+              </a:ext>
+            </a:extLst>
+          </a:blip>
+          <a:stretch>
+            <a:fillRect/>
+          </a:stretch>
+        </p:blipFill>
+        <p:spPr>
+          <a:xfrm>
+            <a:off x="5530485" y="1031965"/>
+            <a:ext cx="6525104" cy="4893828"/>
+          </a:xfrm>
+          <a:prstGeom prst="rect">
+            <a:avLst/>
+          </a:prstGeom>
+        </p:spPr>
+      </p:pic>
     </p:spTree>
     <p:extLst>
       <p:ext uri="{BB962C8B-B14F-4D97-AF65-F5344CB8AC3E}">
@@ -6803,6 +7013,81 @@
   <p:clrMapOvr>
     <a:masterClrMapping/>
   </p:clrMapOvr>
+  <p:timing>
+    <p:tnLst>
+      <p:par>
+        <p:cTn id="1" dur="indefinite" restart="never" nodeType="tmRoot">
+          <p:childTnLst>
+            <p:seq concurrent="1" nextAc="seek">
+              <p:cTn id="2" dur="indefinite" nodeType="mainSeq">
+                <p:childTnLst>
+                  <p:par>
+                    <p:cTn id="3" fill="hold">
+                      <p:stCondLst>
+                        <p:cond delay="indefinite"/>
+                      </p:stCondLst>
+                      <p:childTnLst>
+                        <p:par>
+                          <p:cTn id="4" fill="hold">
+                            <p:stCondLst>
+                              <p:cond delay="0"/>
+                            </p:stCondLst>
+                            <p:childTnLst>
+                              <p:par>
+                                <p:cTn id="5" presetID="1" presetClass="entr" presetSubtype="0" fill="hold" nodeType="clickEffect">
+                                  <p:stCondLst>
+                                    <p:cond delay="0"/>
+                                  </p:stCondLst>
+                                  <p:childTnLst>
+                                    <p:set>
+                                      <p:cBhvr>
+                                        <p:cTn id="6" dur="1" fill="hold">
+                                          <p:stCondLst>
+                                            <p:cond delay="0"/>
+                                          </p:stCondLst>
+                                        </p:cTn>
+                                        <p:tgtEl>
+                                          <p:spTgt spid="5"/>
+                                        </p:tgtEl>
+                                        <p:attrNameLst>
+                                          <p:attrName>style.visibility</p:attrName>
+                                        </p:attrNameLst>
+                                      </p:cBhvr>
+                                      <p:to>
+                                        <p:strVal val="visible"/>
+                                      </p:to>
+                                    </p:set>
+                                  </p:childTnLst>
+                                </p:cTn>
+                              </p:par>
+                            </p:childTnLst>
+                          </p:cTn>
+                        </p:par>
+                      </p:childTnLst>
+                    </p:cTn>
+                  </p:par>
+                </p:childTnLst>
+              </p:cTn>
+              <p:prevCondLst>
+                <p:cond evt="onPrev" delay="0">
+                  <p:tgtEl>
+                    <p:sldTgt/>
+                  </p:tgtEl>
+                </p:cond>
+              </p:prevCondLst>
+              <p:nextCondLst>
+                <p:cond evt="onNext" delay="0">
+                  <p:tgtEl>
+                    <p:sldTgt/>
+                  </p:tgtEl>
+                </p:cond>
+              </p:nextCondLst>
+            </p:seq>
+          </p:childTnLst>
+        </p:cTn>
+      </p:par>
+    </p:tnLst>
+  </p:timing>
 </p:sld>
 </file>
 
@@ -6840,31 +7125,246 @@
           <a:p>
             <a:r>
               <a:rPr lang="hu-HU" dirty="0" smtClean="0"/>
-              <a:t>Forráskód alapú rendszerek előnyei</a:t>
+              <a:t>Forráskód alapú rendszerek </a:t>
+            </a:r>
+            <a:r>
+              <a:rPr lang="hu-HU" dirty="0" smtClean="0"/>
+              <a:t>előnyei és hátrányai</a:t>
             </a:r>
             <a:endParaRPr lang="hu-HU" dirty="0"/>
           </a:p>
         </p:txBody>
       </p:sp>
-      <p:sp>
-        <p:nvSpPr>
-          <p:cNvPr id="3" name="Tartalom helye 2"/>
-          <p:cNvSpPr>
-            <a:spLocks noGrp="1"/>
-          </p:cNvSpPr>
+      <p:graphicFrame>
+        <p:nvGraphicFramePr>
+          <p:cNvPr id="4" name="Tartalom helye 3"/>
+          <p:cNvGraphicFramePr>
+            <a:graphicFrameLocks noGrp="1"/>
+          </p:cNvGraphicFramePr>
           <p:nvPr>
             <p:ph idx="1"/>
-          </p:nvPr>
-        </p:nvSpPr>
-        <p:spPr/>
-        <p:txBody>
-          <a:bodyPr/>
-          <a:lstStyle/>
-          <a:p>
-            <a:endParaRPr lang="hu-HU"/>
-          </a:p>
-        </p:txBody>
-      </p:sp>
+            <p:extLst>
+              <p:ext uri="{D42A27DB-BD31-4B8C-83A1-F6EECF244321}">
+                <p14:modId xmlns:p14="http://schemas.microsoft.com/office/powerpoint/2010/main" val="453005134"/>
+              </p:ext>
+            </p:extLst>
+          </p:nvPr>
+        </p:nvGraphicFramePr>
+        <p:xfrm>
+          <a:off x="685800" y="2141538"/>
+          <a:ext cx="10131426" cy="3244500"/>
+        </p:xfrm>
+        <a:graphic>
+          <a:graphicData uri="http://schemas.openxmlformats.org/drawingml/2006/table">
+            <a:tbl>
+              <a:tblPr firstRow="1" bandRow="1">
+                <a:tableStyleId>{5C22544A-7EE6-4342-B048-85BDC9FD1C3A}</a:tableStyleId>
+              </a:tblPr>
+              <a:tblGrid>
+                <a:gridCol w="5065713">
+                  <a:extLst>
+                    <a:ext uri="{9D8B030D-6E8A-4147-A177-3AD203B41FA5}">
+                      <a16:colId xmlns:a16="http://schemas.microsoft.com/office/drawing/2014/main" val="454681403"/>
+                    </a:ext>
+                  </a:extLst>
+                </a:gridCol>
+                <a:gridCol w="5065713">
+                  <a:extLst>
+                    <a:ext uri="{9D8B030D-6E8A-4147-A177-3AD203B41FA5}">
+                      <a16:colId xmlns:a16="http://schemas.microsoft.com/office/drawing/2014/main" val="1138303089"/>
+                    </a:ext>
+                  </a:extLst>
+                </a:gridCol>
+              </a:tblGrid>
+              <a:tr h="648900">
+                <a:tc>
+                  <a:txBody>
+                    <a:bodyPr/>
+                    <a:lstStyle/>
+                    <a:p>
+                      <a:pPr algn="ctr"/>
+                      <a:r>
+                        <a:rPr lang="hu-HU" dirty="0" smtClean="0"/>
+                        <a:t>Előnyök</a:t>
+                      </a:r>
+                      <a:endParaRPr lang="hu-HU" dirty="0"/>
+                    </a:p>
+                  </a:txBody>
+                  <a:tcPr anchor="ctr"/>
+                </a:tc>
+                <a:tc>
+                  <a:txBody>
+                    <a:bodyPr/>
+                    <a:lstStyle/>
+                    <a:p>
+                      <a:pPr algn="ctr"/>
+                      <a:r>
+                        <a:rPr lang="hu-HU" dirty="0" smtClean="0"/>
+                        <a:t>Hátrányok</a:t>
+                      </a:r>
+                      <a:endParaRPr lang="hu-HU" dirty="0"/>
+                    </a:p>
+                  </a:txBody>
+                  <a:tcPr anchor="ctr"/>
+                </a:tc>
+                <a:extLst>
+                  <a:ext uri="{0D108BD9-81ED-4DB2-BD59-A6C34878D82A}">
+                    <a16:rowId xmlns:a16="http://schemas.microsoft.com/office/drawing/2014/main" val="2278932915"/>
+                  </a:ext>
+                </a:extLst>
+              </a:tr>
+              <a:tr h="648900">
+                <a:tc>
+                  <a:txBody>
+                    <a:bodyPr/>
+                    <a:lstStyle/>
+                    <a:p>
+                      <a:pPr algn="ctr"/>
+                      <a:r>
+                        <a:rPr lang="hu-HU" dirty="0" smtClean="0"/>
+                        <a:t>Modularitás (USE-</a:t>
+                      </a:r>
+                      <a:r>
+                        <a:rPr lang="hu-HU" dirty="0" err="1" smtClean="0"/>
+                        <a:t>flagekkel</a:t>
+                      </a:r>
+                      <a:r>
+                        <a:rPr lang="hu-HU" dirty="0" smtClean="0"/>
+                        <a:t>)</a:t>
+                      </a:r>
+                      <a:endParaRPr lang="hu-HU" dirty="0"/>
+                    </a:p>
+                  </a:txBody>
+                  <a:tcPr anchor="ctr"/>
+                </a:tc>
+                <a:tc>
+                  <a:txBody>
+                    <a:bodyPr/>
+                    <a:lstStyle/>
+                    <a:p>
+                      <a:pPr algn="ctr"/>
+                      <a:r>
+                        <a:rPr lang="hu-HU" dirty="0" smtClean="0"/>
+                        <a:t>Hosszú</a:t>
+                      </a:r>
+                      <a:r>
+                        <a:rPr lang="hu-HU" baseline="0" dirty="0" smtClean="0"/>
+                        <a:t> fordítási idők</a:t>
+                      </a:r>
+                      <a:endParaRPr lang="hu-HU" dirty="0"/>
+                    </a:p>
+                  </a:txBody>
+                  <a:tcPr anchor="ctr"/>
+                </a:tc>
+                <a:extLst>
+                  <a:ext uri="{0D108BD9-81ED-4DB2-BD59-A6C34878D82A}">
+                    <a16:rowId xmlns:a16="http://schemas.microsoft.com/office/drawing/2014/main" val="4195736245"/>
+                  </a:ext>
+                </a:extLst>
+              </a:tr>
+              <a:tr h="648900">
+                <a:tc>
+                  <a:txBody>
+                    <a:bodyPr/>
+                    <a:lstStyle/>
+                    <a:p>
+                      <a:pPr algn="ctr"/>
+                      <a:r>
+                        <a:rPr lang="hu-HU" dirty="0" err="1" smtClean="0"/>
+                        <a:t>Mikroarchitektúra</a:t>
+                      </a:r>
+                      <a:r>
+                        <a:rPr lang="hu-HU" dirty="0" smtClean="0"/>
+                        <a:t> </a:t>
+                      </a:r>
+                      <a:r>
+                        <a:rPr lang="hu-HU" dirty="0" err="1" smtClean="0"/>
+                        <a:t>optimalizációk</a:t>
+                      </a:r>
+                      <a:endParaRPr lang="hu-HU" dirty="0"/>
+                    </a:p>
+                  </a:txBody>
+                  <a:tcPr anchor="ctr"/>
+                </a:tc>
+                <a:tc>
+                  <a:txBody>
+                    <a:bodyPr/>
+                    <a:lstStyle/>
+                    <a:p>
+                      <a:pPr algn="ctr"/>
+                      <a:endParaRPr lang="hu-HU"/>
+                    </a:p>
+                  </a:txBody>
+                  <a:tcPr anchor="ctr"/>
+                </a:tc>
+                <a:extLst>
+                  <a:ext uri="{0D108BD9-81ED-4DB2-BD59-A6C34878D82A}">
+                    <a16:rowId xmlns:a16="http://schemas.microsoft.com/office/drawing/2014/main" val="4052027125"/>
+                  </a:ext>
+                </a:extLst>
+              </a:tr>
+              <a:tr h="648900">
+                <a:tc>
+                  <a:txBody>
+                    <a:bodyPr/>
+                    <a:lstStyle/>
+                    <a:p>
+                      <a:pPr algn="ctr"/>
+                      <a:endParaRPr lang="hu-HU"/>
+                    </a:p>
+                  </a:txBody>
+                  <a:tcPr anchor="ctr"/>
+                </a:tc>
+                <a:tc>
+                  <a:txBody>
+                    <a:bodyPr/>
+                    <a:lstStyle/>
+                    <a:p>
+                      <a:pPr algn="ctr"/>
+                      <a:endParaRPr lang="hu-HU"/>
+                    </a:p>
+                  </a:txBody>
+                  <a:tcPr anchor="ctr"/>
+                </a:tc>
+                <a:extLst>
+                  <a:ext uri="{0D108BD9-81ED-4DB2-BD59-A6C34878D82A}">
+                    <a16:rowId xmlns:a16="http://schemas.microsoft.com/office/drawing/2014/main" val="774839604"/>
+                  </a:ext>
+                </a:extLst>
+              </a:tr>
+              <a:tr h="648900">
+                <a:tc>
+                  <a:txBody>
+                    <a:bodyPr/>
+                    <a:lstStyle/>
+                    <a:p>
+                      <a:pPr algn="ctr"/>
+                      <a:endParaRPr lang="hu-HU" dirty="0"/>
+                    </a:p>
+                  </a:txBody>
+                  <a:tcPr anchor="ctr"/>
+                </a:tc>
+                <a:tc>
+                  <a:txBody>
+                    <a:bodyPr/>
+                    <a:lstStyle/>
+                    <a:p>
+                      <a:pPr algn="ctr"/>
+                      <a:endParaRPr lang="hu-HU" dirty="0"/>
+                    </a:p>
+                  </a:txBody>
+                  <a:tcPr anchor="ctr"/>
+                </a:tc>
+                <a:extLst>
+                  <a:ext uri="{0D108BD9-81ED-4DB2-BD59-A6C34878D82A}">
+                    <a16:rowId xmlns:a16="http://schemas.microsoft.com/office/drawing/2014/main" val="1183644930"/>
+                  </a:ext>
+                </a:extLst>
+              </a:tr>
+            </a:tbl>
+          </a:graphicData>
+        </a:graphic>
+      </p:graphicFrame>
     </p:spTree>
     <p:extLst>
       <p:ext uri="{BB962C8B-B14F-4D97-AF65-F5344CB8AC3E}">
@@ -6875,6 +7375,13 @@
   <p:clrMapOvr>
     <a:masterClrMapping/>
   </p:clrMapOvr>
+  <p:timing>
+    <p:tnLst>
+      <p:par>
+        <p:cTn id="1" dur="indefinite" restart="never" nodeType="tmRoot"/>
+      </p:par>
+    </p:tnLst>
+  </p:timing>
 </p:sld>
 </file>
 
@@ -6955,6 +7462,13 @@
   <p:clrMapOvr>
     <a:masterClrMapping/>
   </p:clrMapOvr>
+  <p:timing>
+    <p:tnLst>
+      <p:par>
+        <p:cTn id="1" dur="indefinite" restart="never" nodeType="tmRoot"/>
+      </p:par>
+    </p:tnLst>
+  </p:timing>
 </p:sld>
 </file>
 
@@ -7063,16 +7577,8 @@
           <a:lstStyle/>
           <a:p>
             <a:r>
-              <a:rPr lang="hu-HU" dirty="0" err="1" smtClean="0"/>
-              <a:t>Gentoo</a:t>
-            </a:r>
-            <a:r>
               <a:rPr lang="hu-HU" dirty="0" smtClean="0"/>
-              <a:t> </a:t>
-            </a:r>
-            <a:r>
-              <a:rPr lang="hu-HU" dirty="0" err="1" smtClean="0"/>
-              <a:t>wiki</a:t>
+              <a:t>Források</a:t>
             </a:r>
             <a:endParaRPr lang="hu-HU" dirty="0"/>
           </a:p>
@@ -7093,79 +7599,70 @@
           <a:bodyPr/>
           <a:lstStyle/>
           <a:p>
-            <a:endParaRPr lang="hu-HU"/>
-          </a:p>
-        </p:txBody>
-      </p:sp>
-    </p:spTree>
-    <p:extLst>
-      <p:ext uri="{BB962C8B-B14F-4D97-AF65-F5344CB8AC3E}">
-        <p14:creationId xmlns:p14="http://schemas.microsoft.com/office/powerpoint/2010/main" val="2602833705"/>
-      </p:ext>
-    </p:extLst>
-  </p:cSld>
-  <p:clrMapOvr>
-    <a:masterClrMapping/>
-  </p:clrMapOvr>
-</p:sld>
-</file>
-
-<file path=ppt/slides/slide8.xml><?xml version="1.0" encoding="utf-8"?>
-<p:sld xmlns:a="http://schemas.openxmlformats.org/drawingml/2006/main" xmlns:r="http://schemas.openxmlformats.org/officeDocument/2006/relationships" xmlns:p="http://schemas.openxmlformats.org/presentationml/2006/main">
-  <p:cSld>
-    <p:spTree>
-      <p:nvGrpSpPr>
-        <p:cNvPr id="1" name=""/>
-        <p:cNvGrpSpPr/>
-        <p:nvPr/>
-      </p:nvGrpSpPr>
-      <p:grpSpPr>
-        <a:xfrm>
-          <a:off x="0" y="0"/>
-          <a:ext cx="0" cy="0"/>
-          <a:chOff x="0" y="0"/>
-          <a:chExt cx="0" cy="0"/>
-        </a:xfrm>
-      </p:grpSpPr>
-      <p:sp>
-        <p:nvSpPr>
-          <p:cNvPr id="2" name="Cím 1"/>
-          <p:cNvSpPr>
-            <a:spLocks noGrp="1"/>
-          </p:cNvSpPr>
-          <p:nvPr>
-            <p:ph type="title"/>
-          </p:nvPr>
-        </p:nvSpPr>
-        <p:spPr/>
-        <p:txBody>
-          <a:bodyPr/>
-          <a:lstStyle/>
-          <a:p>
-            <a:r>
-              <a:rPr lang="hu-HU" dirty="0" smtClean="0"/>
-              <a:t>Források</a:t>
-            </a:r>
+            <a:pPr marL="0" indent="0">
+              <a:buNone/>
+            </a:pPr>
+            <a:r>
+              <a:rPr lang="hu-HU" dirty="0" smtClean="0">
+                <a:hlinkClick r:id="rId2"/>
+              </a:rPr>
+              <a:t>https</a:t>
+            </a:r>
+            <a:r>
+              <a:rPr lang="hu-HU" dirty="0">
+                <a:hlinkClick r:id="rId2"/>
+              </a:rPr>
+              <a:t>://</a:t>
+            </a:r>
+            <a:r>
+              <a:rPr lang="hu-HU" dirty="0" smtClean="0">
+                <a:hlinkClick r:id="rId2"/>
+              </a:rPr>
+              <a:t>en.wikipedia.org/wiki/Gentoo_Linux</a:t>
+            </a:r>
+            <a:endParaRPr lang="hu-HU" dirty="0" smtClean="0"/>
+          </a:p>
+          <a:p>
+            <a:pPr marL="0" indent="0">
+              <a:buNone/>
+            </a:pPr>
+            <a:r>
+              <a:rPr lang="hu-HU" dirty="0">
+                <a:hlinkClick r:id="rId3"/>
+              </a:rPr>
+              <a:t>https://</a:t>
+            </a:r>
+            <a:r>
+              <a:rPr lang="hu-HU" dirty="0" smtClean="0">
+                <a:hlinkClick r:id="rId3"/>
+              </a:rPr>
+              <a:t>wiki.gentoo.org/wiki/Main_Page</a:t>
+            </a:r>
+            <a:endParaRPr lang="hu-HU" dirty="0" smtClean="0"/>
+          </a:p>
+          <a:p>
+            <a:pPr marL="0" indent="0">
+              <a:buNone/>
+            </a:pPr>
+            <a:r>
+              <a:rPr lang="hu-HU" dirty="0">
+                <a:hlinkClick r:id="rId4"/>
+              </a:rPr>
+              <a:t>https://www.gentoo.org/downloads</a:t>
+            </a:r>
+            <a:r>
+              <a:rPr lang="hu-HU" dirty="0" smtClean="0">
+                <a:hlinkClick r:id="rId4"/>
+              </a:rPr>
+              <a:t>/</a:t>
+            </a:r>
+            <a:endParaRPr lang="hu-HU" dirty="0" smtClean="0"/>
+          </a:p>
+          <a:p>
+            <a:pPr marL="0" indent="0">
+              <a:buNone/>
+            </a:pPr>
             <a:endParaRPr lang="hu-HU" dirty="0"/>
-          </a:p>
-        </p:txBody>
-      </p:sp>
-      <p:sp>
-        <p:nvSpPr>
-          <p:cNvPr id="3" name="Tartalom helye 2"/>
-          <p:cNvSpPr>
-            <a:spLocks noGrp="1"/>
-          </p:cNvSpPr>
-          <p:nvPr>
-            <p:ph idx="1"/>
-          </p:nvPr>
-        </p:nvSpPr>
-        <p:spPr/>
-        <p:txBody>
-          <a:bodyPr/>
-          <a:lstStyle/>
-          <a:p>
-            <a:endParaRPr lang="hu-HU"/>
           </a:p>
         </p:txBody>
       </p:sp>
@@ -7182,7 +7679,7 @@
 </p:sld>
 </file>
 
-<file path=ppt/slides/slide9.xml><?xml version="1.0" encoding="utf-8"?>
+<file path=ppt/slides/slide8.xml><?xml version="1.0" encoding="utf-8"?>
 <p:sld xmlns:a="http://schemas.openxmlformats.org/drawingml/2006/main" xmlns:r="http://schemas.openxmlformats.org/officeDocument/2006/relationships" xmlns:p="http://schemas.openxmlformats.org/presentationml/2006/main">
   <p:cSld>
     <p:spTree>
@@ -8060,14 +8557,6 @@
 </file>
 
 <file path=customXml/item1.xml><?xml version="1.0" encoding="utf-8"?>
-<p:properties xmlns:p="http://schemas.microsoft.com/office/2006/metadata/properties" xmlns:xsi="http://www.w3.org/2001/XMLSchema-instance" xmlns:pc="http://schemas.microsoft.com/office/infopath/2007/PartnerControls">
-  <documentManagement>
-    <MediaServiceKeyPoints xmlns="71af3243-3dd4-4a8d-8c0d-dd76da1f02a5" xsi:nil="true"/>
-  </documentManagement>
-</p:properties>
-</file>
-
-<file path=customXml/item2.xml><?xml version="1.0" encoding="utf-8"?>
 <ct:contentTypeSchema xmlns:ct="http://schemas.microsoft.com/office/2006/metadata/contentType" xmlns:ma="http://schemas.microsoft.com/office/2006/metadata/properties/metaAttributes" ct:_="" ma:_="" ma:contentTypeName="Document" ma:contentTypeID="0x01010079F111ED35F8CC479449609E8A0923A6" ma:contentTypeVersion="11" ma:contentTypeDescription="Create a new document." ma:contentTypeScope="" ma:versionID="9677210f24a1be23c92c90fd886aa0aa">
   <xsd:schema xmlns:xsd="http://www.w3.org/2001/XMLSchema" xmlns:xs="http://www.w3.org/2001/XMLSchema" xmlns:p="http://schemas.microsoft.com/office/2006/metadata/properties" xmlns:ns2="71af3243-3dd4-4a8d-8c0d-dd76da1f02a5" xmlns:ns3="16c05727-aa75-4e4a-9b5f-8a80a1165891" targetNamespace="http://schemas.microsoft.com/office/2006/metadata/properties" ma:root="true" ma:fieldsID="60e05723c5c1908df1a1a4ebf11d344e" ns2:_="" ns3:_="">
     <xsd:import namespace="71af3243-3dd4-4a8d-8c0d-dd76da1f02a5"/>
@@ -8278,6 +8767,14 @@
 </ct:contentTypeSchema>
 </file>
 
+<file path=customXml/item2.xml><?xml version="1.0" encoding="utf-8"?>
+<p:properties xmlns:p="http://schemas.microsoft.com/office/2006/metadata/properties" xmlns:xsi="http://www.w3.org/2001/XMLSchema-instance" xmlns:pc="http://schemas.microsoft.com/office/infopath/2007/PartnerControls">
+  <documentManagement>
+    <MediaServiceKeyPoints xmlns="71af3243-3dd4-4a8d-8c0d-dd76da1f02a5" xsi:nil="true"/>
+  </documentManagement>
+</p:properties>
+</file>
+
 <file path=customXml/item3.xml><?xml version="1.0" encoding="utf-8"?>
 <?mso-contentType ?>
 <FormTemplates xmlns="http://schemas.microsoft.com/sharepoint/v3/contenttype/forms">
@@ -8288,16 +8785,6 @@
 </file>
 
 <file path=customXml/itemProps1.xml><?xml version="1.0" encoding="utf-8"?>
-<ds:datastoreItem xmlns:ds="http://schemas.openxmlformats.org/officeDocument/2006/customXml" ds:itemID="{B26D5668-1971-40BB-BC7C-94C9B101AAB7}">
-  <ds:schemaRefs>
-    <ds:schemaRef ds:uri="http://schemas.microsoft.com/office/2006/metadata/properties"/>
-    <ds:schemaRef ds:uri="http://schemas.microsoft.com/office/infopath/2007/PartnerControls"/>
-    <ds:schemaRef ds:uri="71af3243-3dd4-4a8d-8c0d-dd76da1f02a5"/>
-  </ds:schemaRefs>
-</ds:datastoreItem>
-</file>
-
-<file path=customXml/itemProps2.xml><?xml version="1.0" encoding="utf-8"?>
 <ds:datastoreItem xmlns:ds="http://schemas.openxmlformats.org/officeDocument/2006/customXml" ds:itemID="{3370F4A1-FC59-4361-989F-6C79533DA565}">
   <ds:schemaRefs>
     <ds:schemaRef ds:uri="http://schemas.microsoft.com/office/2006/metadata/contentType"/>
@@ -8316,6 +8803,16 @@
 </ds:datastoreItem>
 </file>
 
+<file path=customXml/itemProps2.xml><?xml version="1.0" encoding="utf-8"?>
+<ds:datastoreItem xmlns:ds="http://schemas.openxmlformats.org/officeDocument/2006/customXml" ds:itemID="{B26D5668-1971-40BB-BC7C-94C9B101AAB7}">
+  <ds:schemaRefs>
+    <ds:schemaRef ds:uri="http://schemas.microsoft.com/office/2006/metadata/properties"/>
+    <ds:schemaRef ds:uri="http://schemas.microsoft.com/office/infopath/2007/PartnerControls"/>
+    <ds:schemaRef ds:uri="71af3243-3dd4-4a8d-8c0d-dd76da1f02a5"/>
+  </ds:schemaRefs>
+</ds:datastoreItem>
+</file>
+
 <file path=customXml/itemProps3.xml><?xml version="1.0" encoding="utf-8"?>
 <ds:datastoreItem xmlns:ds="http://schemas.openxmlformats.org/officeDocument/2006/customXml" ds:itemID="{FE57094B-4684-420B-AFE0-4E41CA2AF714}">
   <ds:schemaRefs>

--- a/Gentoo_linux.pptx
+++ b/Gentoo_linux.pptx
@@ -212,7 +212,7 @@
             <a:pPr rtl="0"/>
             <a:fld id="{0101B00A-32B0-4CAF-9F89-3C63AD2E553A}" type="datetime1">
               <a:rPr lang="hu-HU" smtClean="0"/>
-              <a:t>2022.09.14.</a:t>
+              <a:t>2022.09.15.</a:t>
             </a:fld>
             <a:endParaRPr lang="hu-HU" dirty="0"/>
           </a:p>
@@ -381,7 +381,7 @@
             <a:fld id="{A8EE0D3A-CE98-4751-B765-2A7879568A03}" type="datetime1">
               <a:rPr lang="hu-HU" smtClean="0"/>
               <a:pPr/>
-              <a:t>2022.09.14.</a:t>
+              <a:t>2022.09.15.</a:t>
             </a:fld>
             <a:endParaRPr lang="hu-HU" dirty="0"/>
           </a:p>
@@ -969,7 +969,7 @@
             <a:pPr rtl="0"/>
             <a:fld id="{581986E7-02C8-4727-B176-AE537A0A0F8C}" type="datetime1">
               <a:rPr lang="hu-HU" noProof="0" smtClean="0"/>
-              <a:t>2022.09.14.</a:t>
+              <a:t>2022.09.15.</a:t>
             </a:fld>
             <a:endParaRPr lang="hu-HU" noProof="0" dirty="0"/>
           </a:p>
@@ -1304,7 +1304,7 @@
             <a:pPr rtl="0"/>
             <a:fld id="{B969DD75-7C66-47CF-879D-AB155124DDEF}" type="datetime1">
               <a:rPr lang="hu-HU" noProof="0" smtClean="0"/>
-              <a:t>2022.09.14.</a:t>
+              <a:t>2022.09.15.</a:t>
             </a:fld>
             <a:endParaRPr lang="hu-HU" noProof="0" dirty="0"/>
           </a:p>
@@ -1582,7 +1582,7 @@
             <a:pPr rtl="0"/>
             <a:fld id="{1932FAEB-06E7-47D2-A643-A32DC6BC05CC}" type="datetime1">
               <a:rPr lang="hu-HU" noProof="0" smtClean="0"/>
-              <a:t>2022.09.14.</a:t>
+              <a:t>2022.09.15.</a:t>
             </a:fld>
             <a:endParaRPr lang="hu-HU" noProof="0" dirty="0"/>
           </a:p>
@@ -2150,7 +2150,7 @@
             <a:pPr rtl="0"/>
             <a:fld id="{7F672C8F-A1DC-4B82-B0F7-E5E96FFAEC72}" type="datetime1">
               <a:rPr lang="hu-HU" noProof="0" smtClean="0"/>
-              <a:t>2022.09.14.</a:t>
+              <a:t>2022.09.15.</a:t>
             </a:fld>
             <a:endParaRPr lang="hu-HU" noProof="0" dirty="0"/>
           </a:p>
@@ -2428,7 +2428,7 @@
             <a:pPr rtl="0"/>
             <a:fld id="{A7877DCF-D950-4A91-B113-1D2BA72650AC}" type="datetime1">
               <a:rPr lang="hu-HU" noProof="0" smtClean="0"/>
-              <a:t>2022.09.14.</a:t>
+              <a:t>2022.09.15.</a:t>
             </a:fld>
             <a:endParaRPr lang="hu-HU" noProof="0" dirty="0"/>
           </a:p>
@@ -2990,7 +2990,7 @@
             <a:pPr rtl="0"/>
             <a:fld id="{32B7E944-FF8D-4B73-BFC6-2B2DC30A9019}" type="datetime1">
               <a:rPr lang="hu-HU" noProof="0" smtClean="0"/>
-              <a:t>2022.09.14.</a:t>
+              <a:t>2022.09.15.</a:t>
             </a:fld>
             <a:endParaRPr lang="hu-HU" noProof="0" dirty="0"/>
           </a:p>
@@ -3316,7 +3316,7 @@
             <a:pPr rtl="0"/>
             <a:fld id="{E3D28717-F4D4-4E78-B1B4-9F99DCF42829}" type="datetime1">
               <a:rPr lang="hu-HU" noProof="0" smtClean="0"/>
-              <a:t>2022.09.14.</a:t>
+              <a:t>2022.09.15.</a:t>
             </a:fld>
             <a:endParaRPr lang="hu-HU" noProof="0" dirty="0"/>
           </a:p>
@@ -3492,7 +3492,7 @@
             <a:pPr rtl="0"/>
             <a:fld id="{811FFB2D-D4EE-4A4D-AF15-5501EFCAAB69}" type="datetime1">
               <a:rPr lang="hu-HU" noProof="0" smtClean="0"/>
-              <a:t>2022.09.14.</a:t>
+              <a:t>2022.09.15.</a:t>
             </a:fld>
             <a:endParaRPr lang="hu-HU" noProof="0" dirty="0"/>
           </a:p>
@@ -3731,7 +3731,7 @@
             <a:pPr rtl="0"/>
             <a:fld id="{10BCE087-A846-484B-897B-11F7CC976F54}" type="datetime1">
               <a:rPr lang="hu-HU" noProof="0" smtClean="0"/>
-              <a:t>2022.09.14.</a:t>
+              <a:t>2022.09.15.</a:t>
             </a:fld>
             <a:endParaRPr lang="hu-HU" noProof="0" dirty="0"/>
           </a:p>
@@ -3931,7 +3931,7 @@
             <a:pPr rtl="0"/>
             <a:fld id="{D3E16357-68F8-4C89-B164-212D51B5A555}" type="datetime1">
               <a:rPr lang="hu-HU" noProof="0" smtClean="0"/>
-              <a:t>2022.09.14.</a:t>
+              <a:t>2022.09.15.</a:t>
             </a:fld>
             <a:endParaRPr lang="hu-HU" noProof="0" dirty="0"/>
           </a:p>
@@ -4207,7 +4207,7 @@
             <a:pPr rtl="0"/>
             <a:fld id="{7907BB58-B913-4C78-9AFA-B1393B0D4E62}" type="datetime1">
               <a:rPr lang="hu-HU" noProof="0" smtClean="0"/>
-              <a:t>2022.09.14.</a:t>
+              <a:t>2022.09.15.</a:t>
             </a:fld>
             <a:endParaRPr lang="hu-HU" noProof="0" dirty="0"/>
           </a:p>
@@ -4473,7 +4473,7 @@
             <a:pPr rtl="0"/>
             <a:fld id="{4CBE41FA-5577-4815-90CE-C942195B1D0E}" type="datetime1">
               <a:rPr lang="hu-HU" noProof="0" smtClean="0"/>
-              <a:t>2022.09.14.</a:t>
+              <a:t>2022.09.15.</a:t>
             </a:fld>
             <a:endParaRPr lang="hu-HU" noProof="0" dirty="0"/>
           </a:p>
@@ -4847,7 +4847,7 @@
             <a:pPr rtl="0"/>
             <a:fld id="{47730967-BB93-416A-ADFF-46D23C7F99DD}" type="datetime1">
               <a:rPr lang="hu-HU" noProof="0" smtClean="0"/>
-              <a:t>2022.09.14.</a:t>
+              <a:t>2022.09.15.</a:t>
             </a:fld>
             <a:endParaRPr lang="hu-HU" noProof="0" dirty="0"/>
           </a:p>
@@ -4995,7 +4995,7 @@
             <a:pPr rtl="0"/>
             <a:fld id="{1A271211-68CE-4DC5-95BF-8CCC584CC729}" type="datetime1">
               <a:rPr lang="hu-HU" noProof="0" smtClean="0"/>
-              <a:t>2022.09.14.</a:t>
+              <a:t>2022.09.15.</a:t>
             </a:fld>
             <a:endParaRPr lang="hu-HU" noProof="0" dirty="0"/>
           </a:p>
@@ -5119,7 +5119,7 @@
             <a:pPr rtl="0"/>
             <a:fld id="{DBC8551B-72FC-465A-B4AA-C8D01144101E}" type="datetime1">
               <a:rPr lang="hu-HU" noProof="0" smtClean="0"/>
-              <a:t>2022.09.14.</a:t>
+              <a:t>2022.09.15.</a:t>
             </a:fld>
             <a:endParaRPr lang="hu-HU" noProof="0" dirty="0"/>
           </a:p>
@@ -5404,7 +5404,7 @@
             <a:pPr rtl="0"/>
             <a:fld id="{31937186-D509-459F-BF98-A410C4CC85E0}" type="datetime1">
               <a:rPr lang="hu-HU" noProof="0" smtClean="0"/>
-              <a:t>2022.09.14.</a:t>
+              <a:t>2022.09.15.</a:t>
             </a:fld>
             <a:endParaRPr lang="hu-HU" noProof="0" dirty="0"/>
           </a:p>
@@ -5729,7 +5729,7 @@
             <a:pPr rtl="0"/>
             <a:fld id="{822C8249-907F-4F77-8CF5-B0D10B0467C8}" type="datetime1">
               <a:rPr lang="hu-HU" noProof="0" smtClean="0"/>
-              <a:t>2022.09.14.</a:t>
+              <a:t>2022.09.15.</a:t>
             </a:fld>
             <a:endParaRPr lang="hu-HU" noProof="0" dirty="0"/>
           </a:p>
@@ -5941,7 +5941,7 @@
             <a:pPr rtl="0"/>
             <a:fld id="{4AD237DC-75F9-4ACB-9DCB-A8FC80DFB04C}" type="datetime1">
               <a:rPr lang="hu-HU" noProof="0" smtClean="0"/>
-              <a:t>2022.09.14.</a:t>
+              <a:t>2022.09.15.</a:t>
             </a:fld>
             <a:endParaRPr lang="hu-HU" noProof="0" dirty="0"/>
           </a:p>
@@ -6466,7 +6466,7 @@
                 <a16:creationId xmlns:a16="http://schemas.microsoft.com/office/drawing/2014/main" id="{3D1E5586-8BB5-40F6-96C3-2E87DD7CE5CD}"/>
               </a:ext>
               <a:ext uri="{C183D7F6-B498-43B3-948B-1728B52AA6E4}">
-                <adec:decorative xmlns="" xmlns:adec="http://schemas.microsoft.com/office/drawing/2017/decorative" val="1"/>
+                <adec:decorative xmlns:adec="http://schemas.microsoft.com/office/drawing/2017/decorative" xmlns="" val="1"/>
               </a:ext>
             </a:extLst>
           </p:cNvPr>
@@ -6571,7 +6571,7 @@
                 <a16:creationId xmlns:a16="http://schemas.microsoft.com/office/drawing/2014/main" id="{8A832D40-B9E2-4CE7-9E0A-B35591EA2035}"/>
               </a:ext>
               <a:ext uri="{C183D7F6-B498-43B3-948B-1728B52AA6E4}">
-                <adec:decorative xmlns="" xmlns:adec="http://schemas.microsoft.com/office/drawing/2017/decorative" val="1"/>
+                <adec:decorative xmlns:adec="http://schemas.microsoft.com/office/drawing/2017/decorative" xmlns="" val="1"/>
               </a:ext>
             </a:extLst>
           </p:cNvPr>
@@ -6718,7 +6718,12 @@
             <p:ph idx="1"/>
           </p:nvPr>
         </p:nvSpPr>
-        <p:spPr/>
+        <p:spPr>
+          <a:xfrm>
+            <a:off x="685802" y="2142067"/>
+            <a:ext cx="4143894" cy="3649133"/>
+          </a:xfrm>
+        </p:spPr>
         <p:txBody>
           <a:bodyPr/>
           <a:lstStyle/>
@@ -6787,6 +6792,29 @@
           </a:p>
         </p:txBody>
       </p:sp>
+      <p:pic>
+        <p:nvPicPr>
+          <p:cNvPr id="4" name="Kép 3"/>
+          <p:cNvPicPr>
+            <a:picLocks noChangeAspect="1"/>
+          </p:cNvPicPr>
+          <p:nvPr/>
+        </p:nvPicPr>
+        <p:blipFill rotWithShape="1">
+          <a:blip r:embed="rId2"/>
+          <a:srcRect t="179"/>
+          <a:stretch/>
+        </p:blipFill>
+        <p:spPr>
+          <a:xfrm>
+            <a:off x="4281054" y="748145"/>
+            <a:ext cx="7910945" cy="4631141"/>
+          </a:xfrm>
+          <a:prstGeom prst="rect">
+            <a:avLst/>
+          </a:prstGeom>
+        </p:spPr>
+      </p:pic>
     </p:spTree>
     <p:extLst>
       <p:ext uri="{BB962C8B-B14F-4D97-AF65-F5344CB8AC3E}">
@@ -6883,7 +6911,15 @@
             </a:r>
             <a:r>
               <a:rPr lang="hu-HU" dirty="0" smtClean="0"/>
-              <a:t> 2: Ugyan azok a csomagok, csak egy </a:t>
+              <a:t> 2: </a:t>
+            </a:r>
+            <a:r>
+              <a:rPr lang="hu-HU" dirty="0" smtClean="0"/>
+              <a:t>programok eg</a:t>
+            </a:r>
+            <a:r>
+              <a:rPr lang="hu-HU" dirty="0" smtClean="0"/>
+              <a:t>y </a:t>
             </a:r>
             <a:r>
               <a:rPr lang="hu-HU" dirty="0" err="1" smtClean="0"/>
@@ -6891,7 +6927,11 @@
             </a:r>
             <a:r>
               <a:rPr lang="hu-HU" dirty="0" smtClean="0"/>
-              <a:t> 1 rendszerről vannak fordítva</a:t>
+              <a:t> </a:t>
+            </a:r>
+            <a:r>
+              <a:rPr lang="hu-HU" dirty="0" smtClean="0"/>
+              <a:t>1 rendszerről vannak fordítva</a:t>
             </a:r>
           </a:p>
           <a:p>
@@ -6939,7 +6979,6 @@
               <a:rPr lang="hu-HU" dirty="0" smtClean="0"/>
               <a:t> állomány a weboldalon</a:t>
             </a:r>
-            <a:endParaRPr lang="hu-HU" dirty="0" smtClean="0"/>
           </a:p>
           <a:p>
             <a:pPr marL="0" indent="0">
@@ -7118,18 +7157,39 @@
             <p:ph type="title"/>
           </p:nvPr>
         </p:nvSpPr>
-        <p:spPr/>
+        <p:spPr>
+          <a:xfrm>
+            <a:off x="685800" y="285403"/>
+            <a:ext cx="10131425" cy="1456267"/>
+          </a:xfrm>
+        </p:spPr>
         <p:txBody>
           <a:bodyPr/>
           <a:lstStyle/>
           <a:p>
             <a:r>
+              <a:rPr lang="hu-HU" dirty="0" err="1" smtClean="0"/>
+              <a:t>Gentoo</a:t>
+            </a:r>
+            <a:r>
               <a:rPr lang="hu-HU" dirty="0" smtClean="0"/>
-              <a:t>Forráskód alapú rendszerek </a:t>
+              <a:t> </a:t>
+            </a:r>
+            <a:r>
+              <a:rPr lang="hu-HU" dirty="0" err="1" smtClean="0"/>
+              <a:t>linux</a:t>
             </a:r>
             <a:r>
               <a:rPr lang="hu-HU" dirty="0" smtClean="0"/>
-              <a:t>előnyei és hátrányai</a:t>
+              <a:t> </a:t>
+            </a:r>
+            <a:r>
+              <a:rPr lang="hu-HU" dirty="0" smtClean="0"/>
+              <a:t>előnyei </a:t>
+            </a:r>
+            <a:r>
+              <a:rPr lang="hu-HU" dirty="0" smtClean="0"/>
+              <a:t>és hátrányai</a:t>
             </a:r>
             <a:endParaRPr lang="hu-HU" dirty="0"/>
           </a:p>
@@ -7145,14 +7205,14 @@
             <p:ph idx="1"/>
             <p:extLst>
               <p:ext uri="{D42A27DB-BD31-4B8C-83A1-F6EECF244321}">
-                <p14:modId xmlns:p14="http://schemas.microsoft.com/office/powerpoint/2010/main" val="453005134"/>
+                <p14:modId xmlns:p14="http://schemas.microsoft.com/office/powerpoint/2010/main" val="3277535353"/>
               </p:ext>
             </p:extLst>
           </p:nvPr>
         </p:nvGraphicFramePr>
         <p:xfrm>
-          <a:off x="685800" y="2141538"/>
-          <a:ext cx="10131426" cy="3244500"/>
+          <a:off x="685799" y="1518083"/>
+          <a:ext cx="10131426" cy="2595600"/>
         </p:xfrm>
         <a:graphic>
           <a:graphicData uri="http://schemas.openxmlformats.org/drawingml/2006/table">
@@ -7292,7 +7352,15 @@
                     <a:lstStyle/>
                     <a:p>
                       <a:pPr algn="ctr"/>
-                      <a:endParaRPr lang="hu-HU"/>
+                      <a:r>
+                        <a:rPr lang="hu-HU" dirty="0" smtClean="0"/>
+                        <a:t>Minimális rendszerről kell kiépíteni</a:t>
+                      </a:r>
+                      <a:r>
+                        <a:rPr lang="hu-HU" baseline="0" dirty="0" smtClean="0"/>
+                        <a:t> a rendszert</a:t>
+                      </a:r>
+                      <a:endParaRPr lang="hu-HU" dirty="0"/>
                     </a:p>
                   </a:txBody>
                   <a:tcPr anchor="ctr"/>
@@ -7310,35 +7378,10 @@
                     <a:lstStyle/>
                     <a:p>
                       <a:pPr algn="ctr"/>
-                      <a:endParaRPr lang="hu-HU"/>
-                    </a:p>
-                  </a:txBody>
-                  <a:tcPr anchor="ctr"/>
-                </a:tc>
-                <a:tc>
-                  <a:txBody>
-                    <a:bodyPr/>
-                    <a:lstStyle/>
-                    <a:p>
-                      <a:pPr algn="ctr"/>
-                      <a:endParaRPr lang="hu-HU"/>
-                    </a:p>
-                  </a:txBody>
-                  <a:tcPr anchor="ctr"/>
-                </a:tc>
-                <a:extLst>
-                  <a:ext uri="{0D108BD9-81ED-4DB2-BD59-A6C34878D82A}">
-                    <a16:rowId xmlns:a16="http://schemas.microsoft.com/office/drawing/2014/main" val="774839604"/>
-                  </a:ext>
-                </a:extLst>
-              </a:tr>
-              <a:tr h="648900">
-                <a:tc>
-                  <a:txBody>
-                    <a:bodyPr/>
-                    <a:lstStyle/>
-                    <a:p>
-                      <a:pPr algn="ctr"/>
+                      <a:r>
+                        <a:rPr lang="hu-HU" dirty="0" smtClean="0"/>
+                        <a:t>Jobb teljesítmény és kisebb memória használat</a:t>
+                      </a:r>
                       <a:endParaRPr lang="hu-HU" dirty="0"/>
                     </a:p>
                   </a:txBody>
@@ -7357,7 +7400,7 @@
                 </a:tc>
                 <a:extLst>
                   <a:ext uri="{0D108BD9-81ED-4DB2-BD59-A6C34878D82A}">
-                    <a16:rowId xmlns:a16="http://schemas.microsoft.com/office/drawing/2014/main" val="1183644930"/>
+                    <a16:rowId xmlns:a16="http://schemas.microsoft.com/office/drawing/2014/main" val="774839604"/>
                   </a:ext>
                 </a:extLst>
               </a:tr>
@@ -7443,15 +7486,112 @@
             <p:ph idx="1"/>
           </p:nvPr>
         </p:nvSpPr>
-        <p:spPr/>
+        <p:spPr>
+          <a:xfrm>
+            <a:off x="685801" y="2142067"/>
+            <a:ext cx="4991791" cy="3649133"/>
+          </a:xfrm>
+        </p:spPr>
         <p:txBody>
           <a:bodyPr/>
           <a:lstStyle/>
           <a:p>
-            <a:endParaRPr lang="hu-HU"/>
-          </a:p>
-        </p:txBody>
-      </p:sp>
+            <a:r>
+              <a:rPr lang="hu-HU" dirty="0" smtClean="0"/>
+              <a:t>USE </a:t>
+            </a:r>
+            <a:r>
+              <a:rPr lang="hu-HU" dirty="0" err="1" smtClean="0"/>
+              <a:t>flagek</a:t>
+            </a:r>
+            <a:r>
+              <a:rPr lang="hu-HU" dirty="0" smtClean="0"/>
+              <a:t> kulcsszavak</a:t>
+            </a:r>
+          </a:p>
+          <a:p>
+            <a:r>
+              <a:rPr lang="hu-HU" dirty="0" smtClean="0"/>
+              <a:t>Csomagokat konfigurálják telepítéskor</a:t>
+            </a:r>
+            <a:endParaRPr lang="hu-HU" dirty="0" smtClean="0"/>
+          </a:p>
+          <a:p>
+            <a:r>
+              <a:rPr lang="hu-HU" dirty="0" smtClean="0"/>
+              <a:t>Globális és csomag specifikusak</a:t>
+            </a:r>
+          </a:p>
+          <a:p>
+            <a:r>
+              <a:rPr lang="hu-HU" dirty="0" smtClean="0"/>
+              <a:t>Profilok is léteznek </a:t>
+            </a:r>
+            <a:r>
+              <a:rPr lang="hu-HU" dirty="0" err="1" smtClean="0"/>
+              <a:t>pl</a:t>
+            </a:r>
+            <a:r>
+              <a:rPr lang="hu-HU" dirty="0" smtClean="0"/>
+              <a:t>: </a:t>
+            </a:r>
+            <a:r>
+              <a:rPr lang="hu-HU" dirty="0" err="1" smtClean="0"/>
+              <a:t>desktop</a:t>
+            </a:r>
+            <a:r>
+              <a:rPr lang="hu-HU" dirty="0" smtClean="0"/>
+              <a:t>, </a:t>
+            </a:r>
+            <a:r>
+              <a:rPr lang="hu-HU" dirty="0" err="1" smtClean="0"/>
+              <a:t>hardened</a:t>
+            </a:r>
+            <a:endParaRPr lang="hu-HU" dirty="0" smtClean="0"/>
+          </a:p>
+          <a:p>
+            <a:r>
+              <a:rPr lang="hu-HU" dirty="0" smtClean="0"/>
+              <a:t>Profilok előre beállított USE </a:t>
+            </a:r>
+            <a:r>
+              <a:rPr lang="hu-HU" dirty="0" err="1" smtClean="0"/>
+              <a:t>flagek</a:t>
+            </a:r>
+            <a:endParaRPr lang="hu-HU" dirty="0"/>
+          </a:p>
+        </p:txBody>
+      </p:sp>
+      <p:pic>
+        <p:nvPicPr>
+          <p:cNvPr id="5" name="Kép 4"/>
+          <p:cNvPicPr>
+            <a:picLocks noChangeAspect="1"/>
+          </p:cNvPicPr>
+          <p:nvPr/>
+        </p:nvPicPr>
+        <p:blipFill>
+          <a:blip r:embed="rId2">
+            <a:extLst>
+              <a:ext uri="{28A0092B-C50C-407E-A947-70E740481C1C}">
+                <a14:useLocalDpi xmlns:a14="http://schemas.microsoft.com/office/drawing/2010/main" val="0"/>
+              </a:ext>
+            </a:extLst>
+          </a:blip>
+          <a:stretch>
+            <a:fillRect/>
+          </a:stretch>
+        </p:blipFill>
+        <p:spPr>
+          <a:xfrm>
+            <a:off x="6629749" y="1455172"/>
+            <a:ext cx="5000794" cy="4446420"/>
+          </a:xfrm>
+          <a:prstGeom prst="rect">
+            <a:avLst/>
+          </a:prstGeom>
+        </p:spPr>
+      </p:pic>
     </p:spTree>
     <p:extLst>
       <p:ext uri="{BB962C8B-B14F-4D97-AF65-F5344CB8AC3E}">
@@ -7522,15 +7662,89 @@
             <p:ph idx="1"/>
           </p:nvPr>
         </p:nvSpPr>
-        <p:spPr/>
+        <p:spPr>
+          <a:xfrm>
+            <a:off x="685802" y="2142067"/>
+            <a:ext cx="4941914" cy="3649133"/>
+          </a:xfrm>
+        </p:spPr>
         <p:txBody>
           <a:bodyPr/>
           <a:lstStyle/>
           <a:p>
-            <a:endParaRPr lang="hu-HU"/>
-          </a:p>
-        </p:txBody>
-      </p:sp>
+            <a:r>
+              <a:rPr lang="hu-HU" dirty="0" err="1" smtClean="0"/>
+              <a:t>Genkernel</a:t>
+            </a:r>
+            <a:r>
+              <a:rPr lang="hu-HU" dirty="0" smtClean="0"/>
+              <a:t>: rendszer hardverének felismerése után készít egy konfigurációt</a:t>
+            </a:r>
+          </a:p>
+          <a:p>
+            <a:r>
+              <a:rPr lang="hu-HU" dirty="0" err="1" smtClean="0"/>
+              <a:t>Gentoo-sources</a:t>
+            </a:r>
+            <a:r>
+              <a:rPr lang="hu-HU" dirty="0" smtClean="0"/>
+              <a:t>: </a:t>
+            </a:r>
+            <a:r>
+              <a:rPr lang="hu-HU" dirty="0" err="1" smtClean="0"/>
+              <a:t>linux</a:t>
+            </a:r>
+            <a:r>
+              <a:rPr lang="hu-HU" dirty="0" smtClean="0"/>
+              <a:t> kernel forráskódja, felhasználó konfigurálja</a:t>
+            </a:r>
+          </a:p>
+          <a:p>
+            <a:r>
+              <a:rPr lang="hu-HU" dirty="0" err="1" smtClean="0"/>
+              <a:t>FreeBSD</a:t>
+            </a:r>
+            <a:r>
+              <a:rPr lang="hu-HU" dirty="0" smtClean="0"/>
+              <a:t> kernel is elérhető</a:t>
+            </a:r>
+            <a:endParaRPr lang="hu-HU" dirty="0" smtClean="0"/>
+          </a:p>
+          <a:p>
+            <a:endParaRPr lang="hu-HU" dirty="0"/>
+          </a:p>
+        </p:txBody>
+      </p:sp>
+      <p:pic>
+        <p:nvPicPr>
+          <p:cNvPr id="4" name="Kép 3"/>
+          <p:cNvPicPr>
+            <a:picLocks noChangeAspect="1"/>
+          </p:cNvPicPr>
+          <p:nvPr/>
+        </p:nvPicPr>
+        <p:blipFill>
+          <a:blip r:embed="rId2">
+            <a:extLst>
+              <a:ext uri="{28A0092B-C50C-407E-A947-70E740481C1C}">
+                <a14:useLocalDpi xmlns:a14="http://schemas.microsoft.com/office/drawing/2010/main" val="0"/>
+              </a:ext>
+            </a:extLst>
+          </a:blip>
+          <a:stretch>
+            <a:fillRect/>
+          </a:stretch>
+        </p:blipFill>
+        <p:spPr>
+          <a:xfrm>
+            <a:off x="6012038" y="609601"/>
+            <a:ext cx="5602834" cy="4760422"/>
+          </a:xfrm>
+          <a:prstGeom prst="rect">
+            <a:avLst/>
+          </a:prstGeom>
+        </p:spPr>
+      </p:pic>
     </p:spTree>
     <p:extLst>
       <p:ext uri="{BB962C8B-B14F-4D97-AF65-F5344CB8AC3E}">
@@ -7541,6 +7755,13 @@
   <p:clrMapOvr>
     <a:masterClrMapping/>
   </p:clrMapOvr>
+  <p:timing>
+    <p:tnLst>
+      <p:par>
+        <p:cTn id="1" dur="indefinite" restart="never" nodeType="tmRoot"/>
+      </p:par>
+    </p:tnLst>
+  </p:timing>
 </p:sld>
 </file>
 
@@ -7594,9 +7815,14 @@
             <p:ph idx="1"/>
           </p:nvPr>
         </p:nvSpPr>
-        <p:spPr/>
-        <p:txBody>
-          <a:bodyPr/>
+        <p:spPr>
+          <a:xfrm>
+            <a:off x="685801" y="2142068"/>
+            <a:ext cx="10131425" cy="3535526"/>
+          </a:xfrm>
+        </p:spPr>
+        <p:txBody>
+          <a:bodyPr anchor="t"/>
           <a:lstStyle/>
           <a:p>
             <a:pPr marL="0" indent="0">
@@ -7656,6 +7882,102 @@
               </a:rPr>
               <a:t>/</a:t>
             </a:r>
+            <a:endParaRPr lang="hu-HU" dirty="0" smtClean="0"/>
+          </a:p>
+          <a:p>
+            <a:pPr marL="0" indent="0">
+              <a:buNone/>
+            </a:pPr>
+            <a:r>
+              <a:rPr lang="hu-HU" dirty="0">
+                <a:hlinkClick r:id="rId5"/>
+              </a:rPr>
+              <a:t>https://</a:t>
+            </a:r>
+            <a:r>
+              <a:rPr lang="hu-HU" dirty="0" smtClean="0">
+                <a:hlinkClick r:id="rId5"/>
+              </a:rPr>
+              <a:t>www.youtube.com/watch?v=wRh8HQ4ICwE</a:t>
+            </a:r>
+            <a:endParaRPr lang="hu-HU" dirty="0" smtClean="0"/>
+          </a:p>
+          <a:p>
+            <a:pPr marL="0" indent="0">
+              <a:buNone/>
+            </a:pPr>
+            <a:r>
+              <a:rPr lang="hu-HU" dirty="0">
+                <a:hlinkClick r:id="rId6"/>
+              </a:rPr>
+              <a:t>https://</a:t>
+            </a:r>
+            <a:r>
+              <a:rPr lang="hu-HU" dirty="0" smtClean="0">
+                <a:hlinkClick r:id="rId6"/>
+              </a:rPr>
+              <a:t>linux-cdn.softpedia.com/screenshots/Gentoo-Linux_1.jpg</a:t>
+            </a:r>
+            <a:endParaRPr lang="hu-HU" dirty="0" smtClean="0"/>
+          </a:p>
+          <a:p>
+            <a:pPr marL="0" indent="0">
+              <a:buNone/>
+            </a:pPr>
+            <a:r>
+              <a:rPr lang="hu-HU" dirty="0">
+                <a:hlinkClick r:id="rId7"/>
+              </a:rPr>
+              <a:t>https://hu.wikipedia.org/wiki/Gentoo#/</a:t>
+            </a:r>
+            <a:r>
+              <a:rPr lang="hu-HU" dirty="0" smtClean="0">
+                <a:hlinkClick r:id="rId7"/>
+              </a:rPr>
+              <a:t>media/F%C3%A1jl:Use-flags.png</a:t>
+            </a:r>
+            <a:endParaRPr lang="hu-HU" dirty="0" smtClean="0"/>
+          </a:p>
+          <a:p>
+            <a:pPr marL="0" indent="0">
+              <a:buNone/>
+            </a:pPr>
+            <a:r>
+              <a:rPr lang="hu-HU" dirty="0">
+                <a:hlinkClick r:id="rId8"/>
+              </a:rPr>
+              <a:t>https://</a:t>
+            </a:r>
+            <a:r>
+              <a:rPr lang="hu-HU" dirty="0" smtClean="0">
+                <a:hlinkClick r:id="rId8"/>
+              </a:rPr>
+              <a:t>commons.wikimedia.org/wiki/File:Gentoo-menuconfig.png</a:t>
+            </a:r>
+            <a:endParaRPr lang="hu-HU" dirty="0" smtClean="0"/>
+          </a:p>
+          <a:p>
+            <a:pPr marL="0" indent="0">
+              <a:buNone/>
+            </a:pPr>
+            <a:endParaRPr lang="hu-HU" dirty="0" smtClean="0"/>
+          </a:p>
+          <a:p>
+            <a:pPr marL="0" indent="0">
+              <a:buNone/>
+            </a:pPr>
+            <a:endParaRPr lang="hu-HU" dirty="0" smtClean="0"/>
+          </a:p>
+          <a:p>
+            <a:pPr marL="0" indent="0">
+              <a:buNone/>
+            </a:pPr>
+            <a:endParaRPr lang="hu-HU" dirty="0" smtClean="0"/>
+          </a:p>
+          <a:p>
+            <a:pPr marL="0" indent="0">
+              <a:buNone/>
+            </a:pPr>
             <a:endParaRPr lang="hu-HU" dirty="0" smtClean="0"/>
           </a:p>
           <a:p>
@@ -7676,6 +7998,13 @@
   <p:clrMapOvr>
     <a:masterClrMapping/>
   </p:clrMapOvr>
+  <p:timing>
+    <p:tnLst>
+      <p:par>
+        <p:cTn id="1" dur="indefinite" restart="never" nodeType="tmRoot"/>
+      </p:par>
+    </p:tnLst>
+  </p:timing>
 </p:sld>
 </file>
 
@@ -7748,6 +8077,13 @@
   <p:clrMapOvr>
     <a:masterClrMapping/>
   </p:clrMapOvr>
+  <p:timing>
+    <p:tnLst>
+      <p:par>
+        <p:cTn id="1" dur="indefinite" restart="never" nodeType="tmRoot"/>
+      </p:par>
+    </p:tnLst>
+  </p:timing>
 </p:sld>
 </file>
 
@@ -8557,6 +8893,14 @@
 </file>
 
 <file path=customXml/item1.xml><?xml version="1.0" encoding="utf-8"?>
+<p:properties xmlns:p="http://schemas.microsoft.com/office/2006/metadata/properties" xmlns:xsi="http://www.w3.org/2001/XMLSchema-instance" xmlns:pc="http://schemas.microsoft.com/office/infopath/2007/PartnerControls">
+  <documentManagement>
+    <MediaServiceKeyPoints xmlns="71af3243-3dd4-4a8d-8c0d-dd76da1f02a5" xsi:nil="true"/>
+  </documentManagement>
+</p:properties>
+</file>
+
+<file path=customXml/item2.xml><?xml version="1.0" encoding="utf-8"?>
 <ct:contentTypeSchema xmlns:ct="http://schemas.microsoft.com/office/2006/metadata/contentType" xmlns:ma="http://schemas.microsoft.com/office/2006/metadata/properties/metaAttributes" ct:_="" ma:_="" ma:contentTypeName="Document" ma:contentTypeID="0x01010079F111ED35F8CC479449609E8A0923A6" ma:contentTypeVersion="11" ma:contentTypeDescription="Create a new document." ma:contentTypeScope="" ma:versionID="9677210f24a1be23c92c90fd886aa0aa">
   <xsd:schema xmlns:xsd="http://www.w3.org/2001/XMLSchema" xmlns:xs="http://www.w3.org/2001/XMLSchema" xmlns:p="http://schemas.microsoft.com/office/2006/metadata/properties" xmlns:ns2="71af3243-3dd4-4a8d-8c0d-dd76da1f02a5" xmlns:ns3="16c05727-aa75-4e4a-9b5f-8a80a1165891" targetNamespace="http://schemas.microsoft.com/office/2006/metadata/properties" ma:root="true" ma:fieldsID="60e05723c5c1908df1a1a4ebf11d344e" ns2:_="" ns3:_="">
     <xsd:import namespace="71af3243-3dd4-4a8d-8c0d-dd76da1f02a5"/>
@@ -8767,14 +9111,6 @@
 </ct:contentTypeSchema>
 </file>
 
-<file path=customXml/item2.xml><?xml version="1.0" encoding="utf-8"?>
-<p:properties xmlns:p="http://schemas.microsoft.com/office/2006/metadata/properties" xmlns:xsi="http://www.w3.org/2001/XMLSchema-instance" xmlns:pc="http://schemas.microsoft.com/office/infopath/2007/PartnerControls">
-  <documentManagement>
-    <MediaServiceKeyPoints xmlns="71af3243-3dd4-4a8d-8c0d-dd76da1f02a5" xsi:nil="true"/>
-  </documentManagement>
-</p:properties>
-</file>
-
 <file path=customXml/item3.xml><?xml version="1.0" encoding="utf-8"?>
 <?mso-contentType ?>
 <FormTemplates xmlns="http://schemas.microsoft.com/sharepoint/v3/contenttype/forms">
@@ -8785,6 +9121,16 @@
 </file>
 
 <file path=customXml/itemProps1.xml><?xml version="1.0" encoding="utf-8"?>
+<ds:datastoreItem xmlns:ds="http://schemas.openxmlformats.org/officeDocument/2006/customXml" ds:itemID="{B26D5668-1971-40BB-BC7C-94C9B101AAB7}">
+  <ds:schemaRefs>
+    <ds:schemaRef ds:uri="http://schemas.microsoft.com/office/2006/metadata/properties"/>
+    <ds:schemaRef ds:uri="http://schemas.microsoft.com/office/infopath/2007/PartnerControls"/>
+    <ds:schemaRef ds:uri="71af3243-3dd4-4a8d-8c0d-dd76da1f02a5"/>
+  </ds:schemaRefs>
+</ds:datastoreItem>
+</file>
+
+<file path=customXml/itemProps2.xml><?xml version="1.0" encoding="utf-8"?>
 <ds:datastoreItem xmlns:ds="http://schemas.openxmlformats.org/officeDocument/2006/customXml" ds:itemID="{3370F4A1-FC59-4361-989F-6C79533DA565}">
   <ds:schemaRefs>
     <ds:schemaRef ds:uri="http://schemas.microsoft.com/office/2006/metadata/contentType"/>
@@ -8803,16 +9149,6 @@
 </ds:datastoreItem>
 </file>
 
-<file path=customXml/itemProps2.xml><?xml version="1.0" encoding="utf-8"?>
-<ds:datastoreItem xmlns:ds="http://schemas.openxmlformats.org/officeDocument/2006/customXml" ds:itemID="{B26D5668-1971-40BB-BC7C-94C9B101AAB7}">
-  <ds:schemaRefs>
-    <ds:schemaRef ds:uri="http://schemas.microsoft.com/office/2006/metadata/properties"/>
-    <ds:schemaRef ds:uri="http://schemas.microsoft.com/office/infopath/2007/PartnerControls"/>
-    <ds:schemaRef ds:uri="71af3243-3dd4-4a8d-8c0d-dd76da1f02a5"/>
-  </ds:schemaRefs>
-</ds:datastoreItem>
-</file>
-
 <file path=customXml/itemProps3.xml><?xml version="1.0" encoding="utf-8"?>
 <ds:datastoreItem xmlns:ds="http://schemas.openxmlformats.org/officeDocument/2006/customXml" ds:itemID="{FE57094B-4684-420B-AFE0-4E41CA2AF714}">
   <ds:schemaRefs>
